--- a/Abschlusspräsentation.pptx
+++ b/Abschlusspräsentation.pptx
@@ -7,16 +7,13 @@
   <p:sldIdLst>
     <p:sldId id="256" r:id="rId5"/>
     <p:sldId id="257" r:id="rId6"/>
-    <p:sldId id="268" r:id="rId7"/>
-    <p:sldId id="271" r:id="rId8"/>
-    <p:sldId id="272" r:id="rId9"/>
-    <p:sldId id="273" r:id="rId10"/>
-    <p:sldId id="274" r:id="rId11"/>
-    <p:sldId id="275" r:id="rId12"/>
-    <p:sldId id="276" r:id="rId13"/>
-    <p:sldId id="267" r:id="rId14"/>
-    <p:sldId id="260" r:id="rId15"/>
-    <p:sldId id="277" r:id="rId16"/>
+    <p:sldId id="260" r:id="rId7"/>
+    <p:sldId id="268" r:id="rId8"/>
+    <p:sldId id="271" r:id="rId9"/>
+    <p:sldId id="278" r:id="rId10"/>
+    <p:sldId id="279" r:id="rId11"/>
+    <p:sldId id="277" r:id="rId12"/>
+    <p:sldId id="267" r:id="rId13"/>
   </p:sldIdLst>
   <p:sldSz cx="12192000" cy="6858000"/>
   <p:notesSz cx="6858000" cy="9144000"/>
@@ -270,7 +267,7 @@
           <a:p>
             <a:fld id="{110B807C-7979-4136-B60A-1E2D17A4B826}" type="datetimeFigureOut">
               <a:rPr lang="de-DE" smtClean="0"/>
-              <a:t>03.11.2019</a:t>
+              <a:t>05.11.2019</a:t>
             </a:fld>
             <a:endParaRPr lang="de-DE"/>
           </a:p>
@@ -468,7 +465,7 @@
           <a:p>
             <a:fld id="{110B807C-7979-4136-B60A-1E2D17A4B826}" type="datetimeFigureOut">
               <a:rPr lang="de-DE" smtClean="0"/>
-              <a:t>03.11.2019</a:t>
+              <a:t>05.11.2019</a:t>
             </a:fld>
             <a:endParaRPr lang="de-DE"/>
           </a:p>
@@ -676,7 +673,7 @@
           <a:p>
             <a:fld id="{110B807C-7979-4136-B60A-1E2D17A4B826}" type="datetimeFigureOut">
               <a:rPr lang="de-DE" smtClean="0"/>
-              <a:t>03.11.2019</a:t>
+              <a:t>05.11.2019</a:t>
             </a:fld>
             <a:endParaRPr lang="de-DE"/>
           </a:p>
@@ -891,7 +888,7 @@
             <a:fld id="{110B807C-7979-4136-B60A-1E2D17A4B826}" type="datetimeFigureOut">
               <a:rPr lang="de-DE" smtClean="0"/>
               <a:pPr/>
-              <a:t>03.11.2019</a:t>
+              <a:t>05.11.2019</a:t>
             </a:fld>
             <a:endParaRPr lang="de-DE" dirty="0"/>
           </a:p>
@@ -1241,7 +1238,7 @@
           <a:p>
             <a:fld id="{110B807C-7979-4136-B60A-1E2D17A4B826}" type="datetimeFigureOut">
               <a:rPr lang="de-DE" smtClean="0"/>
-              <a:t>03.11.2019</a:t>
+              <a:t>05.11.2019</a:t>
             </a:fld>
             <a:endParaRPr lang="de-DE"/>
           </a:p>
@@ -1506,7 +1503,7 @@
           <a:p>
             <a:fld id="{110B807C-7979-4136-B60A-1E2D17A4B826}" type="datetimeFigureOut">
               <a:rPr lang="de-DE" smtClean="0"/>
-              <a:t>03.11.2019</a:t>
+              <a:t>05.11.2019</a:t>
             </a:fld>
             <a:endParaRPr lang="de-DE"/>
           </a:p>
@@ -1918,7 +1915,7 @@
           <a:p>
             <a:fld id="{110B807C-7979-4136-B60A-1E2D17A4B826}" type="datetimeFigureOut">
               <a:rPr lang="de-DE" smtClean="0"/>
-              <a:t>03.11.2019</a:t>
+              <a:t>05.11.2019</a:t>
             </a:fld>
             <a:endParaRPr lang="de-DE"/>
           </a:p>
@@ -2059,7 +2056,7 @@
           <a:p>
             <a:fld id="{110B807C-7979-4136-B60A-1E2D17A4B826}" type="datetimeFigureOut">
               <a:rPr lang="de-DE" smtClean="0"/>
-              <a:t>03.11.2019</a:t>
+              <a:t>05.11.2019</a:t>
             </a:fld>
             <a:endParaRPr lang="de-DE"/>
           </a:p>
@@ -2172,7 +2169,7 @@
           <a:p>
             <a:fld id="{110B807C-7979-4136-B60A-1E2D17A4B826}" type="datetimeFigureOut">
               <a:rPr lang="de-DE" smtClean="0"/>
-              <a:t>03.11.2019</a:t>
+              <a:t>05.11.2019</a:t>
             </a:fld>
             <a:endParaRPr lang="de-DE"/>
           </a:p>
@@ -2483,7 +2480,7 @@
           <a:p>
             <a:fld id="{110B807C-7979-4136-B60A-1E2D17A4B826}" type="datetimeFigureOut">
               <a:rPr lang="de-DE" smtClean="0"/>
-              <a:t>03.11.2019</a:t>
+              <a:t>05.11.2019</a:t>
             </a:fld>
             <a:endParaRPr lang="de-DE"/>
           </a:p>
@@ -2771,7 +2768,7 @@
           <a:p>
             <a:fld id="{110B807C-7979-4136-B60A-1E2D17A4B826}" type="datetimeFigureOut">
               <a:rPr lang="de-DE" smtClean="0"/>
-              <a:t>03.11.2019</a:t>
+              <a:t>05.11.2019</a:t>
             </a:fld>
             <a:endParaRPr lang="de-DE"/>
           </a:p>
@@ -3012,7 +3009,7 @@
           <a:p>
             <a:fld id="{110B807C-7979-4136-B60A-1E2D17A4B826}" type="datetimeFigureOut">
               <a:rPr lang="de-DE" smtClean="0"/>
-              <a:t>03.11.2019</a:t>
+              <a:t>05.11.2019</a:t>
             </a:fld>
             <a:endParaRPr lang="de-DE"/>
           </a:p>
@@ -3574,506 +3571,6 @@
 </p:sld>
 </file>
 
-<file path=ppt/slides/slide10.xml><?xml version="1.0" encoding="utf-8"?>
-<p:sld xmlns:a="http://schemas.openxmlformats.org/drawingml/2006/main" xmlns:r="http://schemas.openxmlformats.org/officeDocument/2006/relationships" xmlns:p="http://schemas.openxmlformats.org/presentationml/2006/main">
-  <p:cSld>
-    <p:spTree>
-      <p:nvGrpSpPr>
-        <p:cNvPr id="1" name=""/>
-        <p:cNvGrpSpPr/>
-        <p:nvPr/>
-      </p:nvGrpSpPr>
-      <p:grpSpPr>
-        <a:xfrm>
-          <a:off x="0" y="0"/>
-          <a:ext cx="0" cy="0"/>
-          <a:chOff x="0" y="0"/>
-          <a:chExt cx="0" cy="0"/>
-        </a:xfrm>
-      </p:grpSpPr>
-      <p:sp>
-        <p:nvSpPr>
-          <p:cNvPr id="2" name="Titel 1">
-            <a:extLst>
-              <a:ext uri="{FF2B5EF4-FFF2-40B4-BE49-F238E27FC236}">
-                <a16:creationId xmlns:a16="http://schemas.microsoft.com/office/drawing/2014/main" id="{940A9E13-0EE5-4C2C-8176-A25EE25FDBCE}"/>
-              </a:ext>
-            </a:extLst>
-          </p:cNvPr>
-          <p:cNvSpPr>
-            <a:spLocks noGrp="1"/>
-          </p:cNvSpPr>
-          <p:nvPr>
-            <p:ph type="title"/>
-          </p:nvPr>
-        </p:nvSpPr>
-        <p:spPr/>
-        <p:txBody>
-          <a:bodyPr/>
-          <a:lstStyle/>
-          <a:p>
-            <a:r>
-              <a:rPr lang="de-DE" dirty="0"/>
-              <a:t>FRONTEND</a:t>
-            </a:r>
-          </a:p>
-        </p:txBody>
-      </p:sp>
-      <p:sp>
-        <p:nvSpPr>
-          <p:cNvPr id="3" name="Inhaltsplatzhalter 2">
-            <a:extLst>
-              <a:ext uri="{FF2B5EF4-FFF2-40B4-BE49-F238E27FC236}">
-                <a16:creationId xmlns:a16="http://schemas.microsoft.com/office/drawing/2014/main" id="{5EBA7CB6-336A-4C79-8A69-6DFB16AA0A38}"/>
-              </a:ext>
-            </a:extLst>
-          </p:cNvPr>
-          <p:cNvSpPr>
-            <a:spLocks noGrp="1"/>
-          </p:cNvSpPr>
-          <p:nvPr>
-            <p:ph idx="1"/>
-          </p:nvPr>
-        </p:nvSpPr>
-        <p:spPr/>
-        <p:txBody>
-          <a:bodyPr/>
-          <a:lstStyle/>
-          <a:p>
-            <a:endParaRPr lang="de-DE" dirty="0"/>
-          </a:p>
-        </p:txBody>
-      </p:sp>
-    </p:spTree>
-    <p:extLst>
-      <p:ext uri="{BB962C8B-B14F-4D97-AF65-F5344CB8AC3E}">
-        <p14:creationId xmlns:p14="http://schemas.microsoft.com/office/powerpoint/2010/main" val="2013890376"/>
-      </p:ext>
-    </p:extLst>
-  </p:cSld>
-  <p:clrMapOvr>
-    <a:masterClrMapping/>
-  </p:clrMapOvr>
-</p:sld>
-</file>
-
-<file path=ppt/slides/slide11.xml><?xml version="1.0" encoding="utf-8"?>
-<p:sld xmlns:a="http://schemas.openxmlformats.org/drawingml/2006/main" xmlns:r="http://schemas.openxmlformats.org/officeDocument/2006/relationships" xmlns:p="http://schemas.openxmlformats.org/presentationml/2006/main">
-  <p:cSld>
-    <p:spTree>
-      <p:nvGrpSpPr>
-        <p:cNvPr id="1" name=""/>
-        <p:cNvGrpSpPr/>
-        <p:nvPr/>
-      </p:nvGrpSpPr>
-      <p:grpSpPr>
-        <a:xfrm>
-          <a:off x="0" y="0"/>
-          <a:ext cx="0" cy="0"/>
-          <a:chOff x="0" y="0"/>
-          <a:chExt cx="0" cy="0"/>
-        </a:xfrm>
-      </p:grpSpPr>
-      <p:sp>
-        <p:nvSpPr>
-          <p:cNvPr id="2" name="Titel 1">
-            <a:extLst>
-              <a:ext uri="{FF2B5EF4-FFF2-40B4-BE49-F238E27FC236}">
-                <a16:creationId xmlns:a16="http://schemas.microsoft.com/office/drawing/2014/main" id="{D30341C1-203D-4849-A580-A0F511D81F42}"/>
-              </a:ext>
-            </a:extLst>
-          </p:cNvPr>
-          <p:cNvSpPr>
-            <a:spLocks noGrp="1"/>
-          </p:cNvSpPr>
-          <p:nvPr>
-            <p:ph type="title"/>
-          </p:nvPr>
-        </p:nvSpPr>
-        <p:spPr/>
-        <p:txBody>
-          <a:bodyPr/>
-          <a:lstStyle/>
-          <a:p>
-            <a:r>
-              <a:rPr lang="de-DE" dirty="0"/>
-              <a:t>ZIELSETZUNG</a:t>
-            </a:r>
-          </a:p>
-        </p:txBody>
-      </p:sp>
-      <p:sp>
-        <p:nvSpPr>
-          <p:cNvPr id="3" name="Inhaltsplatzhalter 2">
-            <a:extLst>
-              <a:ext uri="{FF2B5EF4-FFF2-40B4-BE49-F238E27FC236}">
-                <a16:creationId xmlns:a16="http://schemas.microsoft.com/office/drawing/2014/main" id="{75ADFF8D-8228-44E3-BB3C-13FEA7BFECBC}"/>
-              </a:ext>
-            </a:extLst>
-          </p:cNvPr>
-          <p:cNvSpPr>
-            <a:spLocks noGrp="1"/>
-          </p:cNvSpPr>
-          <p:nvPr>
-            <p:ph idx="1"/>
-          </p:nvPr>
-        </p:nvSpPr>
-        <p:spPr>
-          <a:xfrm>
-            <a:off x="838200" y="2178049"/>
-            <a:ext cx="10515600" cy="3051175"/>
-          </a:xfrm>
-        </p:spPr>
-        <p:txBody>
-          <a:bodyPr>
-            <a:normAutofit lnSpcReduction="10000"/>
-          </a:bodyPr>
-          <a:lstStyle/>
-          <a:p>
-            <a:pPr>
-              <a:lnSpc>
-                <a:spcPct val="100000"/>
-              </a:lnSpc>
-              <a:buClr>
-                <a:schemeClr val="accent6">
-                  <a:lumMod val="40000"/>
-                  <a:lumOff val="60000"/>
-                </a:schemeClr>
-              </a:buClr>
-            </a:pPr>
-            <a:r>
-              <a:rPr lang="de-DE" sz="2600" dirty="0"/>
-              <a:t>Motivation: </a:t>
-            </a:r>
-            <a:r>
-              <a:rPr lang="de-DE" sz="2600" dirty="0">
-                <a:latin typeface="+mj-lt"/>
-              </a:rPr>
-              <a:t>Lernsoftware für Schüler / Studenten / erwachsene Lernende</a:t>
-            </a:r>
-          </a:p>
-          <a:p>
-            <a:pPr>
-              <a:lnSpc>
-                <a:spcPct val="100000"/>
-              </a:lnSpc>
-              <a:buClr>
-                <a:schemeClr val="accent6">
-                  <a:lumMod val="40000"/>
-                  <a:lumOff val="60000"/>
-                </a:schemeClr>
-              </a:buClr>
-            </a:pPr>
-            <a:r>
-              <a:rPr lang="de-DE" sz="2600" dirty="0"/>
-              <a:t>Karteikartensystem </a:t>
-            </a:r>
-            <a:r>
-              <a:rPr lang="de-DE" sz="2600" dirty="0">
-                <a:latin typeface="+mj-lt"/>
-              </a:rPr>
-              <a:t>mit verschiedenen Registern</a:t>
-            </a:r>
-          </a:p>
-          <a:p>
-            <a:pPr>
-              <a:lnSpc>
-                <a:spcPct val="100000"/>
-              </a:lnSpc>
-              <a:buClr>
-                <a:schemeClr val="accent6">
-                  <a:lumMod val="40000"/>
-                  <a:lumOff val="60000"/>
-                </a:schemeClr>
-              </a:buClr>
-            </a:pPr>
-            <a:r>
-              <a:rPr lang="de-DE" sz="2600" dirty="0">
-                <a:latin typeface="+mj-lt"/>
-              </a:rPr>
-              <a:t>mehrere Karteikästen pro User, um </a:t>
-            </a:r>
-            <a:r>
-              <a:rPr lang="de-DE" sz="2600" dirty="0"/>
-              <a:t>Lerngebiete </a:t>
-            </a:r>
-            <a:r>
-              <a:rPr lang="de-DE" sz="2600" dirty="0">
-                <a:latin typeface="+mj-lt"/>
-              </a:rPr>
-              <a:t>abzugrenzen</a:t>
-            </a:r>
-          </a:p>
-          <a:p>
-            <a:pPr>
-              <a:lnSpc>
-                <a:spcPct val="100000"/>
-              </a:lnSpc>
-              <a:buClr>
-                <a:schemeClr val="accent6">
-                  <a:lumMod val="40000"/>
-                  <a:lumOff val="60000"/>
-                </a:schemeClr>
-              </a:buClr>
-            </a:pPr>
-            <a:r>
-              <a:rPr lang="de-DE" sz="2600" dirty="0">
-                <a:latin typeface="+mj-lt"/>
-              </a:rPr>
-              <a:t>Karten werden durch den </a:t>
-            </a:r>
-            <a:r>
-              <a:rPr lang="de-DE" sz="2600" dirty="0"/>
-              <a:t>User befüllt </a:t>
-            </a:r>
-          </a:p>
-          <a:p>
-            <a:pPr>
-              <a:lnSpc>
-                <a:spcPct val="100000"/>
-              </a:lnSpc>
-              <a:buClr>
-                <a:schemeClr val="accent6">
-                  <a:lumMod val="40000"/>
-                  <a:lumOff val="60000"/>
-                </a:schemeClr>
-              </a:buClr>
-            </a:pPr>
-            <a:r>
-              <a:rPr lang="de-DE" sz="2600" dirty="0"/>
-              <a:t>Abfragemodus </a:t>
-            </a:r>
-            <a:r>
-              <a:rPr lang="de-DE" sz="2600" dirty="0">
-                <a:latin typeface="+mj-lt"/>
-              </a:rPr>
-              <a:t>öffnet die Frage, auf Knopfdruck die zugehörige Antwort</a:t>
-            </a:r>
-          </a:p>
-          <a:p>
-            <a:pPr>
-              <a:lnSpc>
-                <a:spcPct val="100000"/>
-              </a:lnSpc>
-              <a:buClr>
-                <a:schemeClr val="accent6">
-                  <a:lumMod val="40000"/>
-                  <a:lumOff val="60000"/>
-                </a:schemeClr>
-              </a:buClr>
-            </a:pPr>
-            <a:r>
-              <a:rPr lang="de-DE" sz="2600" dirty="0">
-                <a:latin typeface="+mj-lt"/>
-              </a:rPr>
-              <a:t>Karten werden bei </a:t>
-            </a:r>
-            <a:r>
-              <a:rPr lang="de-DE" sz="2600" dirty="0"/>
-              <a:t>korrekter Beantwortung </a:t>
-            </a:r>
-            <a:r>
-              <a:rPr lang="de-DE" sz="2600" dirty="0">
-                <a:latin typeface="+mj-lt"/>
-              </a:rPr>
-              <a:t>ein Register weiter geschoben</a:t>
-            </a:r>
-          </a:p>
-        </p:txBody>
-      </p:sp>
-    </p:spTree>
-    <p:extLst>
-      <p:ext uri="{BB962C8B-B14F-4D97-AF65-F5344CB8AC3E}">
-        <p14:creationId xmlns:p14="http://schemas.microsoft.com/office/powerpoint/2010/main" val="2494619921"/>
-      </p:ext>
-    </p:extLst>
-  </p:cSld>
-  <p:clrMapOvr>
-    <a:masterClrMapping/>
-  </p:clrMapOvr>
-</p:sld>
-</file>
-
-<file path=ppt/slides/slide12.xml><?xml version="1.0" encoding="utf-8"?>
-<p:sld xmlns:a="http://schemas.openxmlformats.org/drawingml/2006/main" xmlns:r="http://schemas.openxmlformats.org/officeDocument/2006/relationships" xmlns:p="http://schemas.openxmlformats.org/presentationml/2006/main">
-  <p:cSld>
-    <p:spTree>
-      <p:nvGrpSpPr>
-        <p:cNvPr id="1" name=""/>
-        <p:cNvGrpSpPr/>
-        <p:nvPr/>
-      </p:nvGrpSpPr>
-      <p:grpSpPr>
-        <a:xfrm>
-          <a:off x="0" y="0"/>
-          <a:ext cx="0" cy="0"/>
-          <a:chOff x="0" y="0"/>
-          <a:chExt cx="0" cy="0"/>
-        </a:xfrm>
-      </p:grpSpPr>
-      <p:sp>
-        <p:nvSpPr>
-          <p:cNvPr id="2" name="Titel 1">
-            <a:extLst>
-              <a:ext uri="{FF2B5EF4-FFF2-40B4-BE49-F238E27FC236}">
-                <a16:creationId xmlns:a16="http://schemas.microsoft.com/office/drawing/2014/main" id="{F8526947-A7E7-4E0E-B398-E51A5E5FA0D2}"/>
-              </a:ext>
-            </a:extLst>
-          </p:cNvPr>
-          <p:cNvSpPr>
-            <a:spLocks noGrp="1"/>
-          </p:cNvSpPr>
-          <p:nvPr>
-            <p:ph type="title"/>
-          </p:nvPr>
-        </p:nvSpPr>
-        <p:spPr/>
-        <p:txBody>
-          <a:bodyPr/>
-          <a:lstStyle/>
-          <a:p>
-            <a:r>
-              <a:rPr lang="de-DE" dirty="0"/>
-              <a:t>Ausblick</a:t>
-            </a:r>
-          </a:p>
-        </p:txBody>
-      </p:sp>
-      <p:sp>
-        <p:nvSpPr>
-          <p:cNvPr id="3" name="Inhaltsplatzhalter 2">
-            <a:extLst>
-              <a:ext uri="{FF2B5EF4-FFF2-40B4-BE49-F238E27FC236}">
-                <a16:creationId xmlns:a16="http://schemas.microsoft.com/office/drawing/2014/main" id="{FC4E012F-A228-46F5-83F0-7DE276A5B136}"/>
-              </a:ext>
-            </a:extLst>
-          </p:cNvPr>
-          <p:cNvSpPr>
-            <a:spLocks noGrp="1"/>
-          </p:cNvSpPr>
-          <p:nvPr>
-            <p:ph idx="1"/>
-          </p:nvPr>
-        </p:nvSpPr>
-        <p:spPr/>
-        <p:txBody>
-          <a:bodyPr>
-            <a:normAutofit fontScale="92500" lnSpcReduction="20000"/>
-          </a:bodyPr>
-          <a:lstStyle/>
-          <a:p>
-            <a:pPr marL="0" indent="0">
-              <a:buNone/>
-            </a:pPr>
-            <a:r>
-              <a:rPr lang="de-DE" dirty="0"/>
-              <a:t>Nötige Anpassungen:</a:t>
-            </a:r>
-          </a:p>
-          <a:p>
-            <a:pPr marL="0" indent="0">
-              <a:buNone/>
-            </a:pPr>
-            <a:r>
-              <a:rPr lang="de-DE" dirty="0"/>
-              <a:t>-</a:t>
-            </a:r>
-          </a:p>
-          <a:p>
-            <a:pPr marL="0" indent="0">
-              <a:buNone/>
-            </a:pPr>
-            <a:r>
-              <a:rPr lang="de-DE" dirty="0"/>
-              <a:t>- </a:t>
-            </a:r>
-          </a:p>
-          <a:p>
-            <a:pPr marL="0" indent="0">
-              <a:buNone/>
-            </a:pPr>
-            <a:r>
-              <a:rPr lang="de-DE" dirty="0"/>
-              <a:t>- </a:t>
-            </a:r>
-          </a:p>
-          <a:p>
-            <a:pPr marL="0" indent="0">
-              <a:buNone/>
-            </a:pPr>
-            <a:endParaRPr lang="de-DE" dirty="0"/>
-          </a:p>
-          <a:p>
-            <a:pPr marL="0" indent="0">
-              <a:buNone/>
-            </a:pPr>
-            <a:r>
-              <a:rPr lang="de-DE" dirty="0"/>
-              <a:t>Mögliche Anpassungen:</a:t>
-            </a:r>
-          </a:p>
-          <a:p>
-            <a:pPr>
-              <a:buFontTx/>
-              <a:buChar char="-"/>
-            </a:pPr>
-            <a:r>
-              <a:rPr lang="de-DE" dirty="0"/>
-              <a:t>Entfall der MySQL-Datenbank</a:t>
-            </a:r>
-          </a:p>
-          <a:p>
-            <a:pPr>
-              <a:buFontTx/>
-              <a:buChar char="-"/>
-            </a:pPr>
-            <a:r>
-              <a:rPr lang="de-DE" dirty="0"/>
-              <a:t>Design-Einstellungen</a:t>
-            </a:r>
-          </a:p>
-          <a:p>
-            <a:pPr>
-              <a:buFontTx/>
-              <a:buChar char="-"/>
-            </a:pPr>
-            <a:r>
-              <a:rPr lang="de-DE" dirty="0"/>
-              <a:t>Daten-Export/-Import</a:t>
-            </a:r>
-          </a:p>
-          <a:p>
-            <a:pPr>
-              <a:buFontTx/>
-              <a:buChar char="-"/>
-            </a:pPr>
-            <a:r>
-              <a:rPr lang="de-DE" dirty="0"/>
-              <a:t>Usertests und Anpassung an Ergonomie</a:t>
-            </a:r>
-          </a:p>
-          <a:p>
-            <a:pPr>
-              <a:buFontTx/>
-              <a:buChar char="-"/>
-            </a:pPr>
-            <a:endParaRPr lang="de-DE" dirty="0"/>
-          </a:p>
-        </p:txBody>
-      </p:sp>
-    </p:spTree>
-    <p:extLst>
-      <p:ext uri="{BB962C8B-B14F-4D97-AF65-F5344CB8AC3E}">
-        <p14:creationId xmlns:p14="http://schemas.microsoft.com/office/powerpoint/2010/main" val="634921473"/>
-      </p:ext>
-    </p:extLst>
-  </p:cSld>
-  <p:clrMapOvr>
-    <a:masterClrMapping/>
-  </p:clrMapOvr>
-</p:sld>
-</file>
-
 <file path=ppt/slides/slide2.xml><?xml version="1.0" encoding="utf-8"?>
 <p:sld xmlns:a="http://schemas.openxmlformats.org/drawingml/2006/main" xmlns:r="http://schemas.openxmlformats.org/officeDocument/2006/relationships" xmlns:p="http://schemas.openxmlformats.org/presentationml/2006/main">
   <p:cSld>
@@ -4405,7 +3902,7 @@
           <p:cNvPr id="2" name="Titel 1">
             <a:extLst>
               <a:ext uri="{FF2B5EF4-FFF2-40B4-BE49-F238E27FC236}">
-                <a16:creationId xmlns:a16="http://schemas.microsoft.com/office/drawing/2014/main" id="{BD10A433-2F8B-4576-A603-F0C2D3F4D245}"/>
+                <a16:creationId xmlns:a16="http://schemas.microsoft.com/office/drawing/2014/main" id="{D30341C1-203D-4849-A580-A0F511D81F42}"/>
               </a:ext>
             </a:extLst>
           </p:cNvPr>
@@ -4423,180 +3920,186 @@
           <a:p>
             <a:r>
               <a:rPr lang="de-DE" dirty="0"/>
-              <a:t>Wechsel der Vorgehensmethode</a:t>
-            </a:r>
-          </a:p>
-        </p:txBody>
-      </p:sp>
-      <p:sp>
-        <p:nvSpPr>
-          <p:cNvPr id="4" name="Textfeld 3">
-            <a:extLst>
-              <a:ext uri="{FF2B5EF4-FFF2-40B4-BE49-F238E27FC236}">
-                <a16:creationId xmlns:a16="http://schemas.microsoft.com/office/drawing/2014/main" id="{9D93C341-25CC-4DA5-B59F-583A93ABF72A}"/>
-              </a:ext>
-            </a:extLst>
-          </p:cNvPr>
-          <p:cNvSpPr txBox="1"/>
-          <p:nvPr/>
+              <a:t>ZIELSETZUNG</a:t>
+            </a:r>
+          </a:p>
+        </p:txBody>
+      </p:sp>
+      <p:sp>
+        <p:nvSpPr>
+          <p:cNvPr id="3" name="Inhaltsplatzhalter 2">
+            <a:extLst>
+              <a:ext uri="{FF2B5EF4-FFF2-40B4-BE49-F238E27FC236}">
+                <a16:creationId xmlns:a16="http://schemas.microsoft.com/office/drawing/2014/main" id="{75ADFF8D-8228-44E3-BB3C-13FEA7BFECBC}"/>
+              </a:ext>
+            </a:extLst>
+          </p:cNvPr>
+          <p:cNvSpPr>
+            <a:spLocks noGrp="1"/>
+          </p:cNvSpPr>
+          <p:nvPr>
+            <p:ph idx="1"/>
+          </p:nvPr>
         </p:nvSpPr>
         <p:spPr>
           <a:xfrm>
-            <a:off x="838200" y="2152650"/>
-            <a:ext cx="10515599" cy="3134191"/>
+            <a:off x="838200" y="2178049"/>
+            <a:ext cx="10515600" cy="3051175"/>
           </a:xfrm>
-          <a:prstGeom prst="rect">
-            <a:avLst/>
-          </a:prstGeom>
-          <a:noFill/>
         </p:spPr>
         <p:txBody>
-          <a:bodyPr wrap="square" rtlCol="0">
-            <a:spAutoFit/>
+          <a:bodyPr>
+            <a:normAutofit lnSpcReduction="10000"/>
           </a:bodyPr>
           <a:lstStyle/>
           <a:p>
-            <a:pPr marL="457200" indent="-457200">
-              <a:spcBef>
-                <a:spcPts val="1000"/>
-              </a:spcBef>
+            <a:pPr>
+              <a:lnSpc>
+                <a:spcPct val="100000"/>
+              </a:lnSpc>
               <a:buClr>
                 <a:schemeClr val="accent6">
                   <a:lumMod val="40000"/>
                   <a:lumOff val="60000"/>
                 </a:schemeClr>
               </a:buClr>
-              <a:buFont typeface="Calibri Light" panose="020F0302020204030204" pitchFamily="34" charset="0"/>
-              <a:buChar char="•"/>
             </a:pPr>
+            <a:r>
+              <a:rPr lang="de-DE" sz="2600" dirty="0"/>
+              <a:t>Motivation: </a:t>
+            </a:r>
             <a:r>
               <a:rPr lang="de-DE" sz="2600" dirty="0">
                 <a:latin typeface="+mj-lt"/>
               </a:rPr>
-              <a:t>Vorgehensmethode zuvor: </a:t>
-            </a:r>
-            <a:r>
-              <a:rPr lang="de-DE" sz="2600" dirty="0" err="1">
-                <a:latin typeface="+mj-lt"/>
-              </a:rPr>
-              <a:t>Scrum</a:t>
-            </a:r>
-            <a:endParaRPr lang="de-DE" sz="2600" dirty="0">
-              <a:latin typeface="+mj-lt"/>
-            </a:endParaRPr>
-          </a:p>
-          <a:p>
-            <a:pPr marL="457200" indent="-457200">
-              <a:spcBef>
-                <a:spcPts val="1000"/>
-              </a:spcBef>
+              <a:t>Lernsoftware für Schüler / Studenten / erwachsene Lernende</a:t>
+            </a:r>
+          </a:p>
+          <a:p>
+            <a:pPr>
+              <a:lnSpc>
+                <a:spcPct val="100000"/>
+              </a:lnSpc>
               <a:buClr>
                 <a:schemeClr val="accent6">
                   <a:lumMod val="40000"/>
                   <a:lumOff val="60000"/>
                 </a:schemeClr>
               </a:buClr>
-              <a:buFont typeface="Calibri Light" panose="020F0302020204030204" pitchFamily="34" charset="0"/>
-              <a:buChar char="•"/>
             </a:pPr>
+            <a:r>
+              <a:rPr lang="de-DE" sz="2600" dirty="0"/>
+              <a:t>Karteikartensystem </a:t>
+            </a:r>
             <a:r>
               <a:rPr lang="de-DE" sz="2600" dirty="0">
                 <a:latin typeface="+mj-lt"/>
               </a:rPr>
-              <a:t>Aktuelle Vorgehensmethode: Erweitertes Wasserfallmodell</a:t>
-            </a:r>
-          </a:p>
-          <a:p>
-            <a:pPr marL="457200" indent="-457200">
-              <a:spcBef>
-                <a:spcPts val="1000"/>
-              </a:spcBef>
+              <a:t>mit verschiedenen Registern</a:t>
+            </a:r>
+          </a:p>
+          <a:p>
+            <a:pPr>
+              <a:lnSpc>
+                <a:spcPct val="100000"/>
+              </a:lnSpc>
               <a:buClr>
                 <a:schemeClr val="accent6">
                   <a:lumMod val="40000"/>
                   <a:lumOff val="60000"/>
                 </a:schemeClr>
               </a:buClr>
-              <a:buFont typeface="Calibri Light" panose="020F0302020204030204" pitchFamily="34" charset="0"/>
-              <a:buChar char="•"/>
             </a:pPr>
             <a:r>
               <a:rPr lang="de-DE" sz="2600" dirty="0">
                 <a:latin typeface="+mj-lt"/>
               </a:rPr>
-              <a:t>Gründe: </a:t>
-            </a:r>
-          </a:p>
-          <a:p>
-            <a:pPr marL="914400" lvl="1" indent="-457200">
-              <a:spcBef>
-                <a:spcPts val="1000"/>
-              </a:spcBef>
+              <a:t>mehrere Karteikästen pro User, um </a:t>
+            </a:r>
+            <a:r>
+              <a:rPr lang="de-DE" sz="2600" dirty="0"/>
+              <a:t>Lerngebiete </a:t>
+            </a:r>
+            <a:r>
+              <a:rPr lang="de-DE" sz="2600" dirty="0">
+                <a:latin typeface="+mj-lt"/>
+              </a:rPr>
+              <a:t>abzugrenzen</a:t>
+            </a:r>
+          </a:p>
+          <a:p>
+            <a:pPr>
+              <a:lnSpc>
+                <a:spcPct val="100000"/>
+              </a:lnSpc>
               <a:buClr>
                 <a:schemeClr val="accent6">
                   <a:lumMod val="40000"/>
                   <a:lumOff val="60000"/>
                 </a:schemeClr>
               </a:buClr>
-              <a:buFont typeface="Calibri Light" panose="020F0302020204030204" pitchFamily="34" charset="0"/>
-              <a:buChar char="•"/>
             </a:pPr>
             <a:r>
               <a:rPr lang="de-DE" sz="2600" dirty="0">
                 <a:latin typeface="+mj-lt"/>
               </a:rPr>
-              <a:t>Wiederkehrender</a:t>
+              <a:t>Karten werden durch den </a:t>
             </a:r>
             <a:r>
               <a:rPr lang="de-DE" sz="2600" dirty="0"/>
-              <a:t> hoher Aufwand bei </a:t>
-            </a:r>
-            <a:r>
-              <a:rPr lang="de-DE" sz="2600" dirty="0" err="1"/>
-              <a:t>Scrum</a:t>
-            </a:r>
-            <a:endParaRPr lang="de-DE" sz="2600" dirty="0"/>
-          </a:p>
-          <a:p>
-            <a:pPr marL="914400" lvl="1" indent="-457200">
-              <a:spcBef>
-                <a:spcPts val="1000"/>
-              </a:spcBef>
+              <a:t>User befüllt </a:t>
+            </a:r>
+          </a:p>
+          <a:p>
+            <a:pPr>
+              <a:lnSpc>
+                <a:spcPct val="100000"/>
+              </a:lnSpc>
               <a:buClr>
                 <a:schemeClr val="accent6">
                   <a:lumMod val="40000"/>
                   <a:lumOff val="60000"/>
                 </a:schemeClr>
               </a:buClr>
-              <a:buFont typeface="Calibri Light" panose="020F0302020204030204" pitchFamily="34" charset="0"/>
-              <a:buChar char="•"/>
             </a:pPr>
+            <a:r>
+              <a:rPr lang="de-DE" sz="2600" dirty="0"/>
+              <a:t>Abfragemodus </a:t>
+            </a:r>
             <a:r>
               <a:rPr lang="de-DE" sz="2600" dirty="0">
                 <a:latin typeface="+mj-lt"/>
               </a:rPr>
-              <a:t>Zeitlicher Engpass</a:t>
-            </a:r>
-          </a:p>
-          <a:p>
-            <a:pPr marL="914400" lvl="1" indent="-457200">
-              <a:spcBef>
-                <a:spcPts val="1000"/>
-              </a:spcBef>
+              <a:t>öffnet die Frage, auf Knopfdruck die zugehörige Antwort</a:t>
+            </a:r>
+          </a:p>
+          <a:p>
+            <a:pPr>
+              <a:lnSpc>
+                <a:spcPct val="100000"/>
+              </a:lnSpc>
               <a:buClr>
                 <a:schemeClr val="accent6">
                   <a:lumMod val="40000"/>
                   <a:lumOff val="60000"/>
                 </a:schemeClr>
               </a:buClr>
-              <a:buFont typeface="Calibri Light" panose="020F0302020204030204" pitchFamily="34" charset="0"/>
-              <a:buChar char="•"/>
             </a:pPr>
             <a:r>
               <a:rPr lang="de-DE" sz="2600" dirty="0">
                 <a:latin typeface="+mj-lt"/>
               </a:rPr>
-              <a:t>Einfaches Wasserfallmodell zu starr</a:t>
+              <a:t>Karten werden bei </a:t>
+            </a:r>
+            <a:r>
+              <a:rPr lang="de-DE" sz="2600" dirty="0"/>
+              <a:t>korrekter Beantwortung </a:t>
+            </a:r>
+            <a:r>
+              <a:rPr lang="de-DE" sz="2600" dirty="0">
+                <a:latin typeface="+mj-lt"/>
+              </a:rPr>
+              <a:t>ein Register weiter geschoben</a:t>
             </a:r>
           </a:p>
         </p:txBody>
@@ -4604,7 +4107,7 @@
     </p:spTree>
     <p:extLst>
       <p:ext uri="{BB962C8B-B14F-4D97-AF65-F5344CB8AC3E}">
-        <p14:creationId xmlns:p14="http://schemas.microsoft.com/office/powerpoint/2010/main" val="3915645790"/>
+        <p14:creationId xmlns:p14="http://schemas.microsoft.com/office/powerpoint/2010/main" val="2767825820"/>
       </p:ext>
     </p:extLst>
   </p:cSld>
@@ -4654,6 +4157,243 @@
           <a:p>
             <a:r>
               <a:rPr lang="de-DE" dirty="0"/>
+              <a:t>WECHSEL DER VORGEHENSMETHODE</a:t>
+            </a:r>
+          </a:p>
+        </p:txBody>
+      </p:sp>
+      <p:sp>
+        <p:nvSpPr>
+          <p:cNvPr id="4" name="Textfeld 3">
+            <a:extLst>
+              <a:ext uri="{FF2B5EF4-FFF2-40B4-BE49-F238E27FC236}">
+                <a16:creationId xmlns:a16="http://schemas.microsoft.com/office/drawing/2014/main" id="{9D93C341-25CC-4DA5-B59F-583A93ABF72A}"/>
+              </a:ext>
+            </a:extLst>
+          </p:cNvPr>
+          <p:cNvSpPr txBox="1"/>
+          <p:nvPr/>
+        </p:nvSpPr>
+        <p:spPr>
+          <a:xfrm>
+            <a:off x="838200" y="2152650"/>
+            <a:ext cx="10515599" cy="3134191"/>
+          </a:xfrm>
+          <a:prstGeom prst="rect">
+            <a:avLst/>
+          </a:prstGeom>
+          <a:noFill/>
+        </p:spPr>
+        <p:txBody>
+          <a:bodyPr wrap="square" rtlCol="0">
+            <a:spAutoFit/>
+          </a:bodyPr>
+          <a:lstStyle/>
+          <a:p>
+            <a:pPr marL="457200" indent="-457200">
+              <a:spcBef>
+                <a:spcPts val="1000"/>
+              </a:spcBef>
+              <a:buClr>
+                <a:schemeClr val="accent6">
+                  <a:lumMod val="40000"/>
+                  <a:lumOff val="60000"/>
+                </a:schemeClr>
+              </a:buClr>
+              <a:buFont typeface="Calibri Light" panose="020F0302020204030204" pitchFamily="34" charset="0"/>
+              <a:buChar char="•"/>
+            </a:pPr>
+            <a:r>
+              <a:rPr lang="de-DE" sz="2600" dirty="0">
+                <a:latin typeface="+mj-lt"/>
+              </a:rPr>
+              <a:t>Vorgehensmethode zuvor: </a:t>
+            </a:r>
+            <a:r>
+              <a:rPr lang="de-DE" sz="2600" dirty="0" err="1">
+                <a:latin typeface="+mj-lt"/>
+              </a:rPr>
+              <a:t>Scrum</a:t>
+            </a:r>
+            <a:endParaRPr lang="de-DE" sz="2600" dirty="0">
+              <a:latin typeface="+mj-lt"/>
+            </a:endParaRPr>
+          </a:p>
+          <a:p>
+            <a:pPr marL="457200" indent="-457200">
+              <a:spcBef>
+                <a:spcPts val="1000"/>
+              </a:spcBef>
+              <a:buClr>
+                <a:schemeClr val="accent6">
+                  <a:lumMod val="40000"/>
+                  <a:lumOff val="60000"/>
+                </a:schemeClr>
+              </a:buClr>
+              <a:buFont typeface="Calibri Light" panose="020F0302020204030204" pitchFamily="34" charset="0"/>
+              <a:buChar char="•"/>
+            </a:pPr>
+            <a:r>
+              <a:rPr lang="de-DE" sz="2600" dirty="0">
+                <a:latin typeface="+mj-lt"/>
+              </a:rPr>
+              <a:t>Aktuelle Vorgehensmethode: Erweitertes Wasserfallmodell</a:t>
+            </a:r>
+          </a:p>
+          <a:p>
+            <a:pPr marL="457200" indent="-457200">
+              <a:spcBef>
+                <a:spcPts val="1000"/>
+              </a:spcBef>
+              <a:buClr>
+                <a:schemeClr val="accent6">
+                  <a:lumMod val="40000"/>
+                  <a:lumOff val="60000"/>
+                </a:schemeClr>
+              </a:buClr>
+              <a:buFont typeface="Calibri Light" panose="020F0302020204030204" pitchFamily="34" charset="0"/>
+              <a:buChar char="•"/>
+            </a:pPr>
+            <a:r>
+              <a:rPr lang="de-DE" sz="2600" dirty="0">
+                <a:latin typeface="+mj-lt"/>
+              </a:rPr>
+              <a:t>Gründe: </a:t>
+            </a:r>
+          </a:p>
+          <a:p>
+            <a:pPr marL="914400" lvl="1" indent="-457200">
+              <a:spcBef>
+                <a:spcPts val="1000"/>
+              </a:spcBef>
+              <a:buClr>
+                <a:schemeClr val="accent6">
+                  <a:lumMod val="40000"/>
+                  <a:lumOff val="60000"/>
+                </a:schemeClr>
+              </a:buClr>
+              <a:buFont typeface="Calibri Light" panose="020F0302020204030204" pitchFamily="34" charset="0"/>
+              <a:buChar char="•"/>
+            </a:pPr>
+            <a:r>
+              <a:rPr lang="de-DE" sz="2600" dirty="0">
+                <a:latin typeface="+mj-lt"/>
+              </a:rPr>
+              <a:t>Wiederkehrender hoher Aufwand bei </a:t>
+            </a:r>
+            <a:r>
+              <a:rPr lang="de-DE" sz="2600" dirty="0" err="1">
+                <a:latin typeface="+mj-lt"/>
+              </a:rPr>
+              <a:t>Scrum</a:t>
+            </a:r>
+            <a:endParaRPr lang="de-DE" sz="2600" dirty="0">
+              <a:latin typeface="+mj-lt"/>
+            </a:endParaRPr>
+          </a:p>
+          <a:p>
+            <a:pPr marL="914400" lvl="1" indent="-457200">
+              <a:spcBef>
+                <a:spcPts val="1000"/>
+              </a:spcBef>
+              <a:buClr>
+                <a:schemeClr val="accent6">
+                  <a:lumMod val="40000"/>
+                  <a:lumOff val="60000"/>
+                </a:schemeClr>
+              </a:buClr>
+              <a:buFont typeface="Calibri Light" panose="020F0302020204030204" pitchFamily="34" charset="0"/>
+              <a:buChar char="•"/>
+            </a:pPr>
+            <a:r>
+              <a:rPr lang="de-DE" sz="2600" dirty="0" err="1">
+                <a:latin typeface="+mj-lt"/>
+              </a:rPr>
+              <a:t>Scrum</a:t>
+            </a:r>
+            <a:r>
+              <a:rPr lang="de-DE" sz="2600" dirty="0">
+                <a:latin typeface="+mj-lt"/>
+              </a:rPr>
+              <a:t>-Sprints nicht wirklich möglich</a:t>
+            </a:r>
+          </a:p>
+          <a:p>
+            <a:pPr marL="914400" lvl="1" indent="-457200">
+              <a:spcBef>
+                <a:spcPts val="1000"/>
+              </a:spcBef>
+              <a:buClr>
+                <a:schemeClr val="accent6">
+                  <a:lumMod val="40000"/>
+                  <a:lumOff val="60000"/>
+                </a:schemeClr>
+              </a:buClr>
+              <a:buFont typeface="Calibri Light" panose="020F0302020204030204" pitchFamily="34" charset="0"/>
+              <a:buChar char="•"/>
+            </a:pPr>
+            <a:r>
+              <a:rPr lang="de-DE" sz="2600" dirty="0">
+                <a:latin typeface="+mj-lt"/>
+              </a:rPr>
+              <a:t>Einfaches Wasserfallmodell zu starr</a:t>
+            </a:r>
+          </a:p>
+        </p:txBody>
+      </p:sp>
+    </p:spTree>
+    <p:extLst>
+      <p:ext uri="{BB962C8B-B14F-4D97-AF65-F5344CB8AC3E}">
+        <p14:creationId xmlns:p14="http://schemas.microsoft.com/office/powerpoint/2010/main" val="3915645790"/>
+      </p:ext>
+    </p:extLst>
+  </p:cSld>
+  <p:clrMapOvr>
+    <a:masterClrMapping/>
+  </p:clrMapOvr>
+</p:sld>
+</file>
+
+<file path=ppt/slides/slide5.xml><?xml version="1.0" encoding="utf-8"?>
+<p:sld xmlns:a="http://schemas.openxmlformats.org/drawingml/2006/main" xmlns:r="http://schemas.openxmlformats.org/officeDocument/2006/relationships" xmlns:p="http://schemas.openxmlformats.org/presentationml/2006/main">
+  <p:cSld>
+    <p:spTree>
+      <p:nvGrpSpPr>
+        <p:cNvPr id="1" name=""/>
+        <p:cNvGrpSpPr/>
+        <p:nvPr/>
+      </p:nvGrpSpPr>
+      <p:grpSpPr>
+        <a:xfrm>
+          <a:off x="0" y="0"/>
+          <a:ext cx="0" cy="0"/>
+          <a:chOff x="0" y="0"/>
+          <a:chExt cx="0" cy="0"/>
+        </a:xfrm>
+      </p:grpSpPr>
+      <p:sp>
+        <p:nvSpPr>
+          <p:cNvPr id="2" name="Titel 1">
+            <a:extLst>
+              <a:ext uri="{FF2B5EF4-FFF2-40B4-BE49-F238E27FC236}">
+                <a16:creationId xmlns:a16="http://schemas.microsoft.com/office/drawing/2014/main" id="{BD10A433-2F8B-4576-A603-F0C2D3F4D245}"/>
+              </a:ext>
+            </a:extLst>
+          </p:cNvPr>
+          <p:cNvSpPr>
+            <a:spLocks noGrp="1"/>
+          </p:cNvSpPr>
+          <p:nvPr>
+            <p:ph type="title"/>
+          </p:nvPr>
+        </p:nvSpPr>
+        <p:spPr/>
+        <p:txBody>
+          <a:bodyPr/>
+          <a:lstStyle/>
+          <a:p>
+            <a:r>
+              <a:rPr lang="de-DE" dirty="0"/>
               <a:t>Erweitertes Wasserfallmodell</a:t>
             </a:r>
           </a:p>
@@ -4673,7 +4413,7 @@
         </p:nvSpPr>
         <p:spPr>
           <a:xfrm>
-            <a:off x="838200" y="1672932"/>
+            <a:off x="1693878" y="1672932"/>
             <a:ext cx="1921079" cy="1107346"/>
           </a:xfrm>
           <a:prstGeom prst="roundRect">
@@ -4722,7 +4462,7 @@
         </p:nvSpPr>
         <p:spPr>
           <a:xfrm>
-            <a:off x="2759279" y="2780278"/>
+            <a:off x="3614957" y="2780278"/>
             <a:ext cx="1921079" cy="1107346"/>
           </a:xfrm>
           <a:prstGeom prst="roundRect">
@@ -4771,7 +4511,7 @@
         </p:nvSpPr>
         <p:spPr>
           <a:xfrm>
-            <a:off x="4680358" y="3887624"/>
+            <a:off x="5536036" y="3887624"/>
             <a:ext cx="1921079" cy="1107346"/>
           </a:xfrm>
           <a:prstGeom prst="roundRect">
@@ -4820,7 +4560,7 @@
         </p:nvSpPr>
         <p:spPr>
           <a:xfrm>
-            <a:off x="6601437" y="4994970"/>
+            <a:off x="7457115" y="4994970"/>
             <a:ext cx="1921079" cy="1107346"/>
           </a:xfrm>
           <a:prstGeom prst="roundRect">
@@ -4869,7 +4609,7 @@
         </p:nvSpPr>
         <p:spPr>
           <a:xfrm>
-            <a:off x="8733639" y="4994970"/>
+            <a:off x="9589317" y="4994970"/>
             <a:ext cx="1921079" cy="1107346"/>
           </a:xfrm>
           <a:prstGeom prst="roundRect">
@@ -4918,7 +4658,7 @@
         </p:nvSpPr>
         <p:spPr>
           <a:xfrm>
-            <a:off x="10865841" y="1672932"/>
+            <a:off x="375411" y="1672932"/>
             <a:ext cx="1133213" cy="4429384"/>
           </a:xfrm>
           <a:prstGeom prst="roundRect">
@@ -4973,7 +4713,7 @@
         </p:nvCxnSpPr>
         <p:spPr>
           <a:xfrm>
-            <a:off x="2860649" y="2226607"/>
+            <a:off x="3716327" y="2226607"/>
             <a:ext cx="859169" cy="452333"/>
           </a:xfrm>
           <a:prstGeom prst="bentConnector3">
@@ -5016,7 +4756,7 @@
         </p:nvCxnSpPr>
         <p:spPr>
           <a:xfrm>
-            <a:off x="4781728" y="3333951"/>
+            <a:off x="5637406" y="3333951"/>
             <a:ext cx="859169" cy="452333"/>
           </a:xfrm>
           <a:prstGeom prst="bentConnector3">
@@ -5059,7 +4799,7 @@
         </p:nvCxnSpPr>
         <p:spPr>
           <a:xfrm>
-            <a:off x="6702807" y="4461263"/>
+            <a:off x="7558485" y="4461263"/>
             <a:ext cx="859169" cy="452333"/>
           </a:xfrm>
           <a:prstGeom prst="bentConnector3">
@@ -5102,7 +4842,7 @@
         </p:nvCxnSpPr>
         <p:spPr>
           <a:xfrm rot="10800000">
-            <a:off x="1798740" y="2913444"/>
+            <a:off x="2654418" y="2913444"/>
             <a:ext cx="859169" cy="452333"/>
           </a:xfrm>
           <a:prstGeom prst="bentConnector3">
@@ -5145,7 +4885,7 @@
         </p:nvCxnSpPr>
         <p:spPr>
           <a:xfrm rot="10800000">
-            <a:off x="3719819" y="3988962"/>
+            <a:off x="4575497" y="3988962"/>
             <a:ext cx="859169" cy="452333"/>
           </a:xfrm>
           <a:prstGeom prst="bentConnector3">
@@ -5188,7 +4928,7 @@
         </p:nvCxnSpPr>
         <p:spPr>
           <a:xfrm rot="10800000">
-            <a:off x="5636706" y="5094672"/>
+            <a:off x="6492384" y="5094672"/>
             <a:ext cx="859169" cy="452333"/>
           </a:xfrm>
           <a:prstGeom prst="bentConnector3">
@@ -5229,7 +4969,7 @@
         </p:nvGrpSpPr>
         <p:grpSpPr>
           <a:xfrm>
-            <a:off x="8166302" y="4461263"/>
+            <a:off x="9021980" y="4461263"/>
             <a:ext cx="859169" cy="452333"/>
             <a:chOff x="8166302" y="4461263"/>
             <a:chExt cx="859169" cy="452333"/>
@@ -5331,7 +5071,7 @@
         </p:nvGrpSpPr>
         <p:grpSpPr>
           <a:xfrm>
-            <a:off x="8217758" y="6183665"/>
+            <a:off x="9073436" y="6183665"/>
             <a:ext cx="859169" cy="452358"/>
             <a:chOff x="8217758" y="6183665"/>
             <a:chExt cx="859169" cy="452358"/>
@@ -5432,8 +5172,8 @@
 </p:sld>
 </file>
 
-<file path=ppt/slides/slide5.xml><?xml version="1.0" encoding="utf-8"?>
-<p:sld xmlns:a="http://schemas.openxmlformats.org/drawingml/2006/main" xmlns:r="http://schemas.openxmlformats.org/officeDocument/2006/relationships" xmlns:p="http://schemas.openxmlformats.org/presentationml/2006/main">
+<file path=ppt/slides/slide6.xml><?xml version="1.0" encoding="utf-8"?>
+<p:sld xmlns:a="http://schemas.openxmlformats.org/drawingml/2006/main" xmlns:r="http://schemas.openxmlformats.org/officeDocument/2006/relationships" xmlns:p="http://schemas.openxmlformats.org/presentationml/2006/main" show="0">
   <p:cSld>
     <p:spTree>
       <p:nvGrpSpPr>
@@ -5454,7 +5194,7 @@
           <p:cNvPr id="2" name="Titel 1">
             <a:extLst>
               <a:ext uri="{FF2B5EF4-FFF2-40B4-BE49-F238E27FC236}">
-                <a16:creationId xmlns:a16="http://schemas.microsoft.com/office/drawing/2014/main" id="{75579469-04FD-46CB-A82E-2E682CDBAC0B}"/>
+                <a16:creationId xmlns:a16="http://schemas.microsoft.com/office/drawing/2014/main" id="{849B3097-7D35-41FA-A964-2FC0E947603E}"/>
               </a:ext>
             </a:extLst>
           </p:cNvPr>
@@ -5472,7 +5212,7 @@
           <a:p>
             <a:r>
               <a:rPr lang="de-DE" dirty="0"/>
-              <a:t>Planung</a:t>
+              <a:t>SOFTWARE</a:t>
             </a:r>
           </a:p>
         </p:txBody>
@@ -5482,7 +5222,7 @@
           <p:cNvPr id="3" name="Inhaltsplatzhalter 2">
             <a:extLst>
               <a:ext uri="{FF2B5EF4-FFF2-40B4-BE49-F238E27FC236}">
-                <a16:creationId xmlns:a16="http://schemas.microsoft.com/office/drawing/2014/main" id="{7417460A-1265-4E71-8307-BA36DE819CF6}"/>
+                <a16:creationId xmlns:a16="http://schemas.microsoft.com/office/drawing/2014/main" id="{91760376-FAC0-4269-8D45-C573F2E0898E}"/>
               </a:ext>
             </a:extLst>
           </p:cNvPr>
@@ -5498,35 +5238,61 @@
           <a:bodyPr/>
           <a:lstStyle/>
           <a:p>
-            <a:endParaRPr lang="de-DE" dirty="0"/>
-          </a:p>
-          <a:p>
-            <a:endParaRPr lang="de-DE" dirty="0"/>
-          </a:p>
-          <a:p>
-            <a:endParaRPr lang="de-DE" dirty="0"/>
-          </a:p>
-          <a:p>
-            <a:endParaRPr lang="de-DE" dirty="0"/>
-          </a:p>
-          <a:p>
-            <a:endParaRPr lang="de-DE" dirty="0"/>
-          </a:p>
-          <a:p>
-            <a:r>
-              <a:rPr lang="de-DE" sz="1800" dirty="0"/>
-              <a:t>zuvor:</a:t>
-            </a:r>
-          </a:p>
-          <a:p>
-            <a:endParaRPr lang="de-DE" dirty="0"/>
+            <a:r>
+              <a:rPr lang="de-DE" dirty="0"/>
+              <a:t>Nutzer registrieren</a:t>
+            </a:r>
+          </a:p>
+          <a:p>
+            <a:pPr lvl="1"/>
+            <a:r>
+              <a:rPr lang="de-DE" dirty="0" err="1"/>
+              <a:t>PasswortWDH</a:t>
+            </a:r>
+            <a:r>
+              <a:rPr lang="de-DE" dirty="0"/>
+              <a:t> falsch</a:t>
+            </a:r>
+          </a:p>
+          <a:p>
+            <a:pPr lvl="1"/>
+            <a:r>
+              <a:rPr lang="de-DE" dirty="0"/>
+              <a:t>Richtige Registrierung</a:t>
+            </a:r>
+          </a:p>
+          <a:p>
+            <a:r>
+              <a:rPr lang="de-DE" dirty="0"/>
+              <a:t>SIGN OUT</a:t>
+            </a:r>
+          </a:p>
+          <a:p>
+            <a:r>
+              <a:rPr lang="de-DE" dirty="0"/>
+              <a:t>LOGIN</a:t>
+            </a:r>
+          </a:p>
+          <a:p>
+            <a:pPr lvl="1"/>
+            <a:r>
+              <a:rPr lang="de-DE" dirty="0"/>
+              <a:t>Erst falsche Daten</a:t>
+            </a:r>
+          </a:p>
+          <a:p>
+            <a:pPr lvl="1"/>
+            <a:r>
+              <a:rPr lang="de-DE" dirty="0"/>
+              <a:t>Dann richtig</a:t>
+            </a:r>
           </a:p>
         </p:txBody>
       </p:sp>
     </p:spTree>
     <p:extLst>
       <p:ext uri="{BB962C8B-B14F-4D97-AF65-F5344CB8AC3E}">
-        <p14:creationId xmlns:p14="http://schemas.microsoft.com/office/powerpoint/2010/main" val="2854121267"/>
+        <p14:creationId xmlns:p14="http://schemas.microsoft.com/office/powerpoint/2010/main" val="472348036"/>
       </p:ext>
     </p:extLst>
   </p:cSld>
@@ -5536,8 +5302,8 @@
 </p:sld>
 </file>
 
-<file path=ppt/slides/slide6.xml><?xml version="1.0" encoding="utf-8"?>
-<p:sld xmlns:a="http://schemas.openxmlformats.org/drawingml/2006/main" xmlns:r="http://schemas.openxmlformats.org/officeDocument/2006/relationships" xmlns:p="http://schemas.openxmlformats.org/presentationml/2006/main">
+<file path=ppt/slides/slide7.xml><?xml version="1.0" encoding="utf-8"?>
+<p:sld xmlns:a="http://schemas.openxmlformats.org/drawingml/2006/main" xmlns:r="http://schemas.openxmlformats.org/officeDocument/2006/relationships" xmlns:p="http://schemas.openxmlformats.org/presentationml/2006/main" show="0">
   <p:cSld>
     <p:spTree>
       <p:nvGrpSpPr>
@@ -5558,7 +5324,7 @@
           <p:cNvPr id="2" name="Titel 1">
             <a:extLst>
               <a:ext uri="{FF2B5EF4-FFF2-40B4-BE49-F238E27FC236}">
-                <a16:creationId xmlns:a16="http://schemas.microsoft.com/office/drawing/2014/main" id="{75579469-04FD-46CB-A82E-2E682CDBAC0B}"/>
+                <a16:creationId xmlns:a16="http://schemas.microsoft.com/office/drawing/2014/main" id="{849B3097-7D35-41FA-A964-2FC0E947603E}"/>
               </a:ext>
             </a:extLst>
           </p:cNvPr>
@@ -5576,7 +5342,7 @@
           <a:p>
             <a:r>
               <a:rPr lang="de-DE" dirty="0"/>
-              <a:t>Definition</a:t>
+              <a:t>SOFTWARE</a:t>
             </a:r>
           </a:p>
         </p:txBody>
@@ -5586,7 +5352,7 @@
           <p:cNvPr id="3" name="Inhaltsplatzhalter 2">
             <a:extLst>
               <a:ext uri="{FF2B5EF4-FFF2-40B4-BE49-F238E27FC236}">
-                <a16:creationId xmlns:a16="http://schemas.microsoft.com/office/drawing/2014/main" id="{7417460A-1265-4E71-8307-BA36DE819CF6}"/>
+                <a16:creationId xmlns:a16="http://schemas.microsoft.com/office/drawing/2014/main" id="{91760376-FAC0-4269-8D45-C573F2E0898E}"/>
               </a:ext>
             </a:extLst>
           </p:cNvPr>
@@ -5602,42 +5368,42 @@
           <a:bodyPr/>
           <a:lstStyle/>
           <a:p>
-            <a:pPr marL="0" indent="0">
-              <a:buNone/>
-            </a:pPr>
-            <a:endParaRPr lang="de-DE" dirty="0"/>
-          </a:p>
-          <a:p>
-            <a:pPr marL="0" indent="0">
-              <a:buNone/>
-            </a:pPr>
-            <a:endParaRPr lang="de-DE" dirty="0"/>
-          </a:p>
-          <a:p>
-            <a:pPr marL="0" indent="0">
-              <a:buNone/>
-            </a:pPr>
-            <a:endParaRPr lang="de-DE" dirty="0"/>
-          </a:p>
-          <a:p>
-            <a:pPr marL="0" indent="0">
-              <a:buNone/>
-            </a:pPr>
-            <a:endParaRPr lang="de-DE" dirty="0"/>
-          </a:p>
-          <a:p>
-            <a:pPr marL="0" indent="0">
-              <a:buNone/>
-            </a:pPr>
-            <a:endParaRPr lang="de-DE" dirty="0"/>
-          </a:p>
-          <a:p>
-            <a:pPr marL="0" indent="0">
-              <a:buNone/>
-            </a:pPr>
-            <a:r>
-              <a:rPr lang="de-DE" sz="1800" dirty="0"/>
-              <a:t>Zuvor:</a:t>
+            <a:r>
+              <a:rPr lang="de-DE" dirty="0"/>
+              <a:t>NEW CARDBOX</a:t>
+            </a:r>
+          </a:p>
+          <a:p>
+            <a:pPr lvl="1"/>
+            <a:r>
+              <a:rPr lang="de-DE" dirty="0"/>
+              <a:t>Box anlegen</a:t>
+            </a:r>
+          </a:p>
+          <a:p>
+            <a:r>
+              <a:rPr lang="de-DE" dirty="0"/>
+              <a:t>SETTINGS</a:t>
+            </a:r>
+          </a:p>
+          <a:p>
+            <a:r>
+              <a:rPr lang="de-DE" dirty="0"/>
+              <a:t>FILECARD</a:t>
+            </a:r>
+          </a:p>
+          <a:p>
+            <a:pPr lvl="1"/>
+            <a:r>
+              <a:rPr lang="de-DE" dirty="0"/>
+              <a:t>KARTEN ERSTELLEN</a:t>
+            </a:r>
+          </a:p>
+          <a:p>
+            <a:pPr lvl="1"/>
+            <a:r>
+              <a:rPr lang="de-DE" dirty="0"/>
+              <a:t>DATENBANK ZEIGEN</a:t>
             </a:r>
           </a:p>
         </p:txBody>
@@ -5645,90 +5411,7 @@
     </p:spTree>
     <p:extLst>
       <p:ext uri="{BB962C8B-B14F-4D97-AF65-F5344CB8AC3E}">
-        <p14:creationId xmlns:p14="http://schemas.microsoft.com/office/powerpoint/2010/main" val="20611227"/>
-      </p:ext>
-    </p:extLst>
-  </p:cSld>
-  <p:clrMapOvr>
-    <a:masterClrMapping/>
-  </p:clrMapOvr>
-</p:sld>
-</file>
-
-<file path=ppt/slides/slide7.xml><?xml version="1.0" encoding="utf-8"?>
-<p:sld xmlns:a="http://schemas.openxmlformats.org/drawingml/2006/main" xmlns:r="http://schemas.openxmlformats.org/officeDocument/2006/relationships" xmlns:p="http://schemas.openxmlformats.org/presentationml/2006/main">
-  <p:cSld>
-    <p:spTree>
-      <p:nvGrpSpPr>
-        <p:cNvPr id="1" name=""/>
-        <p:cNvGrpSpPr/>
-        <p:nvPr/>
-      </p:nvGrpSpPr>
-      <p:grpSpPr>
-        <a:xfrm>
-          <a:off x="0" y="0"/>
-          <a:ext cx="0" cy="0"/>
-          <a:chOff x="0" y="0"/>
-          <a:chExt cx="0" cy="0"/>
-        </a:xfrm>
-      </p:grpSpPr>
-      <p:sp>
-        <p:nvSpPr>
-          <p:cNvPr id="2" name="Titel 1">
-            <a:extLst>
-              <a:ext uri="{FF2B5EF4-FFF2-40B4-BE49-F238E27FC236}">
-                <a16:creationId xmlns:a16="http://schemas.microsoft.com/office/drawing/2014/main" id="{75579469-04FD-46CB-A82E-2E682CDBAC0B}"/>
-              </a:ext>
-            </a:extLst>
-          </p:cNvPr>
-          <p:cNvSpPr>
-            <a:spLocks noGrp="1"/>
-          </p:cNvSpPr>
-          <p:nvPr>
-            <p:ph type="title"/>
-          </p:nvPr>
-        </p:nvSpPr>
-        <p:spPr/>
-        <p:txBody>
-          <a:bodyPr/>
-          <a:lstStyle/>
-          <a:p>
-            <a:r>
-              <a:rPr lang="de-DE" dirty="0"/>
-              <a:t>Entwurf</a:t>
-            </a:r>
-          </a:p>
-        </p:txBody>
-      </p:sp>
-      <p:sp>
-        <p:nvSpPr>
-          <p:cNvPr id="3" name="Inhaltsplatzhalter 2">
-            <a:extLst>
-              <a:ext uri="{FF2B5EF4-FFF2-40B4-BE49-F238E27FC236}">
-                <a16:creationId xmlns:a16="http://schemas.microsoft.com/office/drawing/2014/main" id="{7417460A-1265-4E71-8307-BA36DE819CF6}"/>
-              </a:ext>
-            </a:extLst>
-          </p:cNvPr>
-          <p:cNvSpPr>
-            <a:spLocks noGrp="1"/>
-          </p:cNvSpPr>
-          <p:nvPr>
-            <p:ph idx="1"/>
-          </p:nvPr>
-        </p:nvSpPr>
-        <p:spPr/>
-        <p:txBody>
-          <a:bodyPr/>
-          <a:lstStyle/>
-          <a:p>
-            <a:endParaRPr lang="de-DE" dirty="0"/>
-          </a:p>
-        </p:txBody>
-      </p:sp>
-    </p:spTree>
-    <p:extLst>
-      <p:ext uri="{BB962C8B-B14F-4D97-AF65-F5344CB8AC3E}">
-        <p14:creationId xmlns:p14="http://schemas.microsoft.com/office/powerpoint/2010/main" val="4047307594"/>
+        <p14:creationId xmlns:p14="http://schemas.microsoft.com/office/powerpoint/2010/main" val="1779669184"/>
       </p:ext>
     </p:extLst>
   </p:cSld>
@@ -5760,7 +5443,7 @@
           <p:cNvPr id="2" name="Titel 1">
             <a:extLst>
               <a:ext uri="{FF2B5EF4-FFF2-40B4-BE49-F238E27FC236}">
-                <a16:creationId xmlns:a16="http://schemas.microsoft.com/office/drawing/2014/main" id="{75579469-04FD-46CB-A82E-2E682CDBAC0B}"/>
+                <a16:creationId xmlns:a16="http://schemas.microsoft.com/office/drawing/2014/main" id="{F8526947-A7E7-4E0E-B398-E51A5E5FA0D2}"/>
               </a:ext>
             </a:extLst>
           </p:cNvPr>
@@ -5778,7 +5461,7 @@
           <a:p>
             <a:r>
               <a:rPr lang="de-DE" dirty="0"/>
-              <a:t>Implementierung</a:t>
+              <a:t>AUSBLICK</a:t>
             </a:r>
           </a:p>
         </p:txBody>
@@ -5788,7 +5471,7 @@
           <p:cNvPr id="3" name="Inhaltsplatzhalter 2">
             <a:extLst>
               <a:ext uri="{FF2B5EF4-FFF2-40B4-BE49-F238E27FC236}">
-                <a16:creationId xmlns:a16="http://schemas.microsoft.com/office/drawing/2014/main" id="{7417460A-1265-4E71-8307-BA36DE819CF6}"/>
+                <a16:creationId xmlns:a16="http://schemas.microsoft.com/office/drawing/2014/main" id="{FC4E012F-A228-46F5-83F0-7DE276A5B136}"/>
               </a:ext>
             </a:extLst>
           </p:cNvPr>
@@ -5801,41 +5484,114 @@
         </p:nvSpPr>
         <p:spPr/>
         <p:txBody>
-          <a:bodyPr/>
-          <a:lstStyle/>
-          <a:p>
+          <a:bodyPr>
+            <a:normAutofit fontScale="92500" lnSpcReduction="20000"/>
+          </a:bodyPr>
+          <a:lstStyle/>
+          <a:p>
+            <a:pPr marL="0" indent="0">
+              <a:buNone/>
+            </a:pPr>
             <a:r>
               <a:rPr lang="de-DE" dirty="0"/>
-              <a:t>Wechsel von Windows Forms zu WPF</a:t>
-            </a:r>
-          </a:p>
-          <a:p>
+              <a:t>Nötige Anpassungen:</a:t>
+            </a:r>
+          </a:p>
+          <a:p>
+            <a:pPr marL="0" indent="0">
+              <a:buNone/>
+            </a:pPr>
+            <a:r>
+              <a:rPr lang="de-DE" dirty="0"/>
+              <a:t>-</a:t>
+            </a:r>
+          </a:p>
+          <a:p>
+            <a:pPr marL="0" indent="0">
+              <a:buNone/>
+            </a:pPr>
+            <a:r>
+              <a:rPr lang="de-DE" dirty="0"/>
+              <a:t>- </a:t>
+            </a:r>
+          </a:p>
+          <a:p>
+            <a:pPr marL="0" indent="0">
+              <a:buNone/>
+            </a:pPr>
+            <a:r>
+              <a:rPr lang="de-DE" dirty="0"/>
+              <a:t>- </a:t>
+            </a:r>
+          </a:p>
+          <a:p>
+            <a:pPr marL="0" indent="0">
+              <a:buNone/>
+            </a:pPr>
             <a:endParaRPr lang="de-DE" dirty="0"/>
           </a:p>
           <a:p>
+            <a:pPr marL="0" indent="0">
+              <a:buNone/>
+            </a:pPr>
+            <a:r>
+              <a:rPr lang="de-DE" dirty="0"/>
+              <a:t>Mögliche Anpassungen:</a:t>
+            </a:r>
+          </a:p>
+          <a:p>
+            <a:pPr>
+              <a:buFontTx/>
+              <a:buChar char="-"/>
+            </a:pPr>
+            <a:r>
+              <a:rPr lang="de-DE" dirty="0"/>
+              <a:t>Entfall der manuellen Datenbank-Installation und XAMPP</a:t>
+            </a:r>
+          </a:p>
+          <a:p>
+            <a:pPr>
+              <a:buFontTx/>
+              <a:buChar char="-"/>
+            </a:pPr>
+            <a:r>
+              <a:rPr lang="de-DE" dirty="0"/>
+              <a:t>Design-Einstellungen</a:t>
+            </a:r>
+          </a:p>
+          <a:p>
+            <a:pPr>
+              <a:buFontTx/>
+              <a:buChar char="-"/>
+            </a:pPr>
+            <a:r>
+              <a:rPr lang="de-DE" dirty="0"/>
+              <a:t>Daten-Export/-Import</a:t>
+            </a:r>
+          </a:p>
+          <a:p>
+            <a:pPr>
+              <a:buFontTx/>
+              <a:buChar char="-"/>
+            </a:pPr>
+            <a:r>
+              <a:rPr lang="de-DE" dirty="0"/>
+              <a:t>Usertests und Anpassung an Ergonomie</a:t>
+            </a:r>
+          </a:p>
+          <a:p>
+            <a:pPr>
+              <a:buFontTx/>
+              <a:buChar char="-"/>
+            </a:pPr>
             <a:endParaRPr lang="de-DE" dirty="0"/>
-          </a:p>
-          <a:p>
-            <a:endParaRPr lang="de-DE" dirty="0"/>
-          </a:p>
-          <a:p>
-            <a:endParaRPr lang="de-DE" dirty="0"/>
-          </a:p>
-          <a:p>
-            <a:endParaRPr lang="de-DE" dirty="0"/>
-          </a:p>
-          <a:p>
-            <a:r>
-              <a:rPr lang="de-DE" sz="1800" dirty="0"/>
-              <a:t>Zuvor:</a:t>
-            </a:r>
           </a:p>
         </p:txBody>
       </p:sp>
     </p:spTree>
     <p:extLst>
       <p:ext uri="{BB962C8B-B14F-4D97-AF65-F5344CB8AC3E}">
-        <p14:creationId xmlns:p14="http://schemas.microsoft.com/office/powerpoint/2010/main" val="2424661906"/>
+        <p14:creationId xmlns:p14="http://schemas.microsoft.com/office/powerpoint/2010/main" val="634921473"/>
       </p:ext>
     </p:extLst>
   </p:cSld>
@@ -5867,7 +5623,7 @@
           <p:cNvPr id="2" name="Titel 1">
             <a:extLst>
               <a:ext uri="{FF2B5EF4-FFF2-40B4-BE49-F238E27FC236}">
-                <a16:creationId xmlns:a16="http://schemas.microsoft.com/office/drawing/2014/main" id="{75579469-04FD-46CB-A82E-2E682CDBAC0B}"/>
+                <a16:creationId xmlns:a16="http://schemas.microsoft.com/office/drawing/2014/main" id="{940A9E13-0EE5-4C2C-8176-A25EE25FDBCE}"/>
               </a:ext>
             </a:extLst>
           </p:cNvPr>
@@ -5885,7 +5641,7 @@
           <a:p>
             <a:r>
               <a:rPr lang="de-DE" dirty="0"/>
-              <a:t>Testen</a:t>
+              <a:t>GRÜNDE FÜR DIE LERNSOFTWARE</a:t>
             </a:r>
           </a:p>
         </p:txBody>
@@ -5895,7 +5651,7 @@
           <p:cNvPr id="3" name="Inhaltsplatzhalter 2">
             <a:extLst>
               <a:ext uri="{FF2B5EF4-FFF2-40B4-BE49-F238E27FC236}">
-                <a16:creationId xmlns:a16="http://schemas.microsoft.com/office/drawing/2014/main" id="{7417460A-1265-4E71-8307-BA36DE819CF6}"/>
+                <a16:creationId xmlns:a16="http://schemas.microsoft.com/office/drawing/2014/main" id="{5EBA7CB6-336A-4C79-8A69-6DFB16AA0A38}"/>
               </a:ext>
             </a:extLst>
           </p:cNvPr>
@@ -5913,36 +5669,25 @@
           <a:p>
             <a:r>
               <a:rPr lang="de-DE" dirty="0"/>
-              <a:t>Testen erfolgte nach Implementierung der einzelnen Methoden</a:t>
+              <a:t>Lokal benutzbar ohne Internetanbindung</a:t>
             </a:r>
           </a:p>
           <a:p>
             <a:r>
               <a:rPr lang="de-DE" dirty="0"/>
-              <a:t>Nach Verbindung zum Frontend zeigten sich jedoch noch Probleme</a:t>
-            </a:r>
-          </a:p>
-          <a:p>
-            <a:pPr marL="457200" lvl="1" indent="0">
-              <a:buNone/>
-            </a:pPr>
+              <a:t>Mehrere Nutzer möglich</a:t>
+            </a:r>
+          </a:p>
+          <a:p>
             <a:r>
               <a:rPr lang="de-DE" dirty="0"/>
-              <a:t>-&gt; Nutzung der </a:t>
-            </a:r>
-            <a:r>
-              <a:rPr lang="de-DE" dirty="0" err="1"/>
-              <a:t>Rücksprungsmöglichkeit</a:t>
-            </a:r>
-            <a:r>
-              <a:rPr lang="de-DE" dirty="0"/>
-              <a:t> und Anpassung des Codes</a:t>
-            </a:r>
-          </a:p>
-          <a:p>
-            <a:pPr marL="457200" lvl="1" indent="0">
-              <a:buNone/>
-            </a:pPr>
+              <a:t>Installationsanleitung der Datenbank</a:t>
+            </a:r>
+          </a:p>
+          <a:p>
+            <a:endParaRPr lang="de-DE" dirty="0"/>
+          </a:p>
+          <a:p>
             <a:endParaRPr lang="de-DE" dirty="0"/>
           </a:p>
         </p:txBody>
@@ -5950,7 +5695,7 @@
     </p:spTree>
     <p:extLst>
       <p:ext uri="{BB962C8B-B14F-4D97-AF65-F5344CB8AC3E}">
-        <p14:creationId xmlns:p14="http://schemas.microsoft.com/office/powerpoint/2010/main" val="702097032"/>
+        <p14:creationId xmlns:p14="http://schemas.microsoft.com/office/powerpoint/2010/main" val="2013890376"/>
       </p:ext>
     </p:extLst>
   </p:cSld>
@@ -6256,6 +6001,21 @@
 </file>
 
 <file path=customXml/item1.xml><?xml version="1.0" encoding="utf-8"?>
+<p:properties xmlns:p="http://schemas.microsoft.com/office/2006/metadata/properties" xmlns:xsi="http://www.w3.org/2001/XMLSchema-instance" xmlns:pc="http://schemas.microsoft.com/office/infopath/2007/PartnerControls">
+  <documentManagement/>
+</p:properties>
+</file>
+
+<file path=customXml/item2.xml><?xml version="1.0" encoding="utf-8"?>
+<?mso-contentType ?>
+<FormTemplates xmlns="http://schemas.microsoft.com/sharepoint/v3/contenttype/forms">
+  <Display>DocumentLibraryForm</Display>
+  <Edit>DocumentLibraryForm</Edit>
+  <New>DocumentLibraryForm</New>
+</FormTemplates>
+</file>
+
+<file path=customXml/item3.xml><?xml version="1.0" encoding="utf-8"?>
 <ct:contentTypeSchema xmlns:ct="http://schemas.microsoft.com/office/2006/metadata/contentType" xmlns:ma="http://schemas.microsoft.com/office/2006/metadata/properties/metaAttributes" ct:_="" ma:_="" ma:contentTypeName="Document" ma:contentTypeID="0x0101002C1F568233DC2D47B2D88B955092CE78" ma:contentTypeVersion="10" ma:contentTypeDescription="Create a new document." ma:contentTypeScope="" ma:versionID="d508781073e7bb7151c4e618f8fef285">
   <xsd:schema xmlns:xsd="http://www.w3.org/2001/XMLSchema" xmlns:xs="http://www.w3.org/2001/XMLSchema" xmlns:p="http://schemas.microsoft.com/office/2006/metadata/properties" xmlns:ns3="e7d0794c-64e4-4afd-aaee-1ea174578c2f" xmlns:ns4="b8fef51c-ca52-45d5-842a-5a4a836da343" targetNamespace="http://schemas.microsoft.com/office/2006/metadata/properties" ma:root="true" ma:fieldsID="7d9f500a3bc3717612d0292ae5b985d8" ns3:_="" ns4:_="">
     <xsd:import namespace="e7d0794c-64e4-4afd-aaee-1ea174578c2f"/>
@@ -6458,22 +6218,32 @@
 </ct:contentTypeSchema>
 </file>
 
-<file path=customXml/item2.xml><?xml version="1.0" encoding="utf-8"?>
-<?mso-contentType ?>
-<FormTemplates xmlns="http://schemas.microsoft.com/sharepoint/v3/contenttype/forms">
-  <Display>DocumentLibraryForm</Display>
-  <Edit>DocumentLibraryForm</Edit>
-  <New>DocumentLibraryForm</New>
-</FormTemplates>
+<file path=customXml/itemProps1.xml><?xml version="1.0" encoding="utf-8"?>
+<ds:datastoreItem xmlns:ds="http://schemas.openxmlformats.org/officeDocument/2006/customXml" ds:itemID="{9FF22A67-6635-43EC-9877-D093952A3F46}">
+  <ds:schemaRefs>
+    <ds:schemaRef ds:uri="http://schemas.microsoft.com/office/infopath/2007/PartnerControls"/>
+    <ds:schemaRef ds:uri="http://purl.org/dc/terms/"/>
+    <ds:schemaRef ds:uri="http://schemas.microsoft.com/office/2006/metadata/properties"/>
+    <ds:schemaRef ds:uri="http://schemas.microsoft.com/office/2006/documentManagement/types"/>
+    <ds:schemaRef ds:uri="http://purl.org/dc/dcmitype/"/>
+    <ds:schemaRef ds:uri="http://purl.org/dc/elements/1.1/"/>
+    <ds:schemaRef ds:uri="e7d0794c-64e4-4afd-aaee-1ea174578c2f"/>
+    <ds:schemaRef ds:uri="http://schemas.openxmlformats.org/package/2006/metadata/core-properties"/>
+    <ds:schemaRef ds:uri="b8fef51c-ca52-45d5-842a-5a4a836da343"/>
+    <ds:schemaRef ds:uri="http://www.w3.org/XML/1998/namespace"/>
+  </ds:schemaRefs>
+</ds:datastoreItem>
 </file>
 
-<file path=customXml/item3.xml><?xml version="1.0" encoding="utf-8"?>
-<p:properties xmlns:p="http://schemas.microsoft.com/office/2006/metadata/properties" xmlns:xsi="http://www.w3.org/2001/XMLSchema-instance" xmlns:pc="http://schemas.microsoft.com/office/infopath/2007/PartnerControls">
-  <documentManagement/>
-</p:properties>
+<file path=customXml/itemProps2.xml><?xml version="1.0" encoding="utf-8"?>
+<ds:datastoreItem xmlns:ds="http://schemas.openxmlformats.org/officeDocument/2006/customXml" ds:itemID="{DEFC03C0-E4C6-42EE-9D72-FEC5841115BE}">
+  <ds:schemaRefs>
+    <ds:schemaRef ds:uri="http://schemas.microsoft.com/sharepoint/v3/contenttype/forms"/>
+  </ds:schemaRefs>
+</ds:datastoreItem>
 </file>
 
-<file path=customXml/itemProps1.xml><?xml version="1.0" encoding="utf-8"?>
+<file path=customXml/itemProps3.xml><?xml version="1.0" encoding="utf-8"?>
 <ds:datastoreItem xmlns:ds="http://schemas.openxmlformats.org/officeDocument/2006/customXml" ds:itemID="{9797F123-BA78-4825-8B72-BFC2CCB43CC6}">
   <ds:schemaRefs>
     <ds:schemaRef ds:uri="http://schemas.microsoft.com/office/2006/metadata/contentType"/>
@@ -6490,29 +6260,4 @@
     <ds:schemaRef ds:uri="http://schemas.microsoft.com/internal/obd"/>
   </ds:schemaRefs>
 </ds:datastoreItem>
-</file>
-
-<file path=customXml/itemProps2.xml><?xml version="1.0" encoding="utf-8"?>
-<ds:datastoreItem xmlns:ds="http://schemas.openxmlformats.org/officeDocument/2006/customXml" ds:itemID="{DEFC03C0-E4C6-42EE-9D72-FEC5841115BE}">
-  <ds:schemaRefs>
-    <ds:schemaRef ds:uri="http://schemas.microsoft.com/sharepoint/v3/contenttype/forms"/>
-  </ds:schemaRefs>
-</ds:datastoreItem>
-</file>
-
-<file path=customXml/itemProps3.xml><?xml version="1.0" encoding="utf-8"?>
-<ds:datastoreItem xmlns:ds="http://schemas.openxmlformats.org/officeDocument/2006/customXml" ds:itemID="{9FF22A67-6635-43EC-9877-D093952A3F46}">
-  <ds:schemaRefs>
-    <ds:schemaRef ds:uri="http://schemas.microsoft.com/office/infopath/2007/PartnerControls"/>
-    <ds:schemaRef ds:uri="http://purl.org/dc/terms/"/>
-    <ds:schemaRef ds:uri="http://schemas.microsoft.com/office/2006/metadata/properties"/>
-    <ds:schemaRef ds:uri="http://schemas.microsoft.com/office/2006/documentManagement/types"/>
-    <ds:schemaRef ds:uri="http://purl.org/dc/dcmitype/"/>
-    <ds:schemaRef ds:uri="http://purl.org/dc/elements/1.1/"/>
-    <ds:schemaRef ds:uri="e7d0794c-64e4-4afd-aaee-1ea174578c2f"/>
-    <ds:schemaRef ds:uri="http://schemas.openxmlformats.org/package/2006/metadata/core-properties"/>
-    <ds:schemaRef ds:uri="b8fef51c-ca52-45d5-842a-5a4a836da343"/>
-    <ds:schemaRef ds:uri="http://www.w3.org/XML/1998/namespace"/>
-  </ds:schemaRefs>
-</ds:datastoreItem>
 </file>